--- a/Capstone.pptx
+++ b/Capstone.pptx
@@ -17,7 +17,7 @@
     <p:sldId id="263" r:id="rId8"/>
     <p:sldId id="262" r:id="rId9"/>
     <p:sldId id="261" r:id="rId10"/>
-    <p:sldId id="268" r:id="rId11"/>
+    <p:sldId id="270" r:id="rId11"/>
     <p:sldId id="269" r:id="rId12"/>
     <p:sldId id="260" r:id="rId13"/>
     <p:sldId id="259" r:id="rId14"/>
@@ -527,7 +527,15 @@
             </a:pPr>
             <a:r>
               <a:rPr lang="en-US" dirty="0"/>
-              <a:t>100 people die per year </a:t>
+              <a:t>driver/passenger/</a:t>
+            </a:r>
+            <a:r>
+              <a:rPr lang="en-US" dirty="0" err="1"/>
+              <a:t>ped</a:t>
+            </a:r>
+            <a:r>
+              <a:rPr lang="en-US" dirty="0"/>
+              <a:t>/bike </a:t>
             </a:r>
           </a:p>
           <a:p>
@@ -537,7 +545,17 @@
             </a:pPr>
             <a:r>
               <a:rPr lang="en-US" dirty="0"/>
-              <a:t>Human/driver error </a:t>
+              <a:t>100 people die per day </a:t>
+            </a:r>
+          </a:p>
+          <a:p>
+            <a:pPr marL="171450" indent="-171450">
+              <a:buFontTx/>
+              <a:buChar char="-"/>
+            </a:pPr>
+            <a:r>
+              <a:rPr lang="en-US" dirty="0"/>
+              <a:t>Human/driver error = 5.7 million </a:t>
             </a:r>
           </a:p>
           <a:p>
@@ -652,13 +670,19 @@
           <a:bodyPr/>
           <a:lstStyle/>
           <a:p>
+            <a:r>
+              <a:rPr lang="en-US" dirty="0"/>
+              <a:t>- Model is not 100 percent and missing labels</a:t>
+            </a:r>
+          </a:p>
+          <a:p>
             <a:pPr marL="171450" indent="-171450">
               <a:buFontTx/>
               <a:buChar char="-"/>
             </a:pPr>
             <a:r>
               <a:rPr lang="en-US" dirty="0"/>
-              <a:t>Data augmentation for labels that occurred the least. As we saw, ‘bus’ was not predicted by either model</a:t>
+              <a:t>Essentially be used as a second pair of eyes to highlight objects. And could be greatly beneficial in the dark and rush hour. This will help mitigate  car accidents </a:t>
             </a:r>
           </a:p>
           <a:p>
@@ -666,10 +690,150 @@
               <a:buFontTx/>
               <a:buChar char="-"/>
             </a:pPr>
+            <a:endParaRPr lang="en-US" dirty="0"/>
+          </a:p>
+          <a:p>
+            <a:pPr marL="171450" indent="-171450">
+              <a:buFontTx/>
+              <a:buChar char="-"/>
+            </a:pPr>
+            <a:r>
+              <a:rPr lang="en-US" dirty="0"/>
+              <a:t>Diverse data set with no surprises </a:t>
+            </a:r>
+          </a:p>
+        </p:txBody>
+      </p:sp>
+      <p:sp>
+        <p:nvSpPr>
+          <p:cNvPr id="4" name="Slide Number Placeholder 3"/>
+          <p:cNvSpPr>
+            <a:spLocks noGrp="1"/>
+          </p:cNvSpPr>
+          <p:nvPr>
+            <p:ph type="sldNum" sz="quarter" idx="5"/>
+          </p:nvPr>
+        </p:nvSpPr>
+        <p:spPr/>
+        <p:txBody>
+          <a:bodyPr/>
+          <a:lstStyle/>
+          <a:p>
+            <a:fld id="{E394D4AD-BA5C-9940-972A-74CAFEC8F3F4}" type="slidenum">
+              <a:rPr lang="en-US" smtClean="0"/>
+              <a:t>12</a:t>
+            </a:fld>
+            <a:endParaRPr lang="en-US"/>
+          </a:p>
+        </p:txBody>
+      </p:sp>
+    </p:spTree>
+    <p:extLst>
+      <p:ext uri="{BB962C8B-B14F-4D97-AF65-F5344CB8AC3E}">
+        <p14:creationId xmlns:p14="http://schemas.microsoft.com/office/powerpoint/2010/main" val="2540368914"/>
+      </p:ext>
+    </p:extLst>
+  </p:cSld>
+  <p:clrMapOvr>
+    <a:masterClrMapping/>
+  </p:clrMapOvr>
+</p:notes>
+</file>
+
+<file path=ppt/notesSlides/notesSlide11.xml><?xml version="1.0" encoding="utf-8"?>
+<p:notes xmlns:a="http://schemas.openxmlformats.org/drawingml/2006/main" xmlns:r="http://schemas.openxmlformats.org/officeDocument/2006/relationships" xmlns:p="http://schemas.openxmlformats.org/presentationml/2006/main">
+  <p:cSld>
+    <p:spTree>
+      <p:nvGrpSpPr>
+        <p:cNvPr id="1" name=""/>
+        <p:cNvGrpSpPr/>
+        <p:nvPr/>
+      </p:nvGrpSpPr>
+      <p:grpSpPr>
+        <a:xfrm>
+          <a:off x="0" y="0"/>
+          <a:ext cx="0" cy="0"/>
+          <a:chOff x="0" y="0"/>
+          <a:chExt cx="0" cy="0"/>
+        </a:xfrm>
+      </p:grpSpPr>
+      <p:sp>
+        <p:nvSpPr>
+          <p:cNvPr id="2" name="Slide Image Placeholder 1"/>
+          <p:cNvSpPr>
+            <a:spLocks noGrp="1" noRot="1" noChangeAspect="1"/>
+          </p:cNvSpPr>
+          <p:nvPr>
+            <p:ph type="sldImg"/>
+          </p:nvPr>
+        </p:nvSpPr>
+        <p:spPr/>
+      </p:sp>
+      <p:sp>
+        <p:nvSpPr>
+          <p:cNvPr id="3" name="Notes Placeholder 2"/>
+          <p:cNvSpPr>
+            <a:spLocks noGrp="1"/>
+          </p:cNvSpPr>
+          <p:nvPr>
+            <p:ph type="body" idx="1"/>
+          </p:nvPr>
+        </p:nvSpPr>
+        <p:spPr/>
+        <p:txBody>
+          <a:bodyPr/>
+          <a:lstStyle/>
+          <a:p>
+            <a:pPr marL="171450" indent="-171450">
+              <a:buFontTx/>
+              <a:buChar char="-"/>
+            </a:pPr>
+            <a:r>
+              <a:rPr lang="en-US" dirty="0"/>
+              <a:t>Data augmentation for labels that occurred the least. As we saw, ‘bus’ was not predicted by either model</a:t>
+            </a:r>
+          </a:p>
+          <a:p>
+            <a:pPr marL="171450" indent="-171450">
+              <a:buFontTx/>
+              <a:buChar char="-"/>
+            </a:pPr>
             <a:r>
               <a:rPr lang="en-US" dirty="0"/>
               <a:t>- Increase image size, There was an improvement in the model going from 64 X 64 image size to 86 X 86. That’s all that my computer could handle without crashing </a:t>
             </a:r>
+          </a:p>
+          <a:p>
+            <a:pPr marL="171450" marR="0" lvl="0" indent="-171450" algn="l" defTabSz="914400" rtl="0" eaLnBrk="1" fontAlgn="auto" latinLnBrk="0" hangingPunct="1">
+              <a:lnSpc>
+                <a:spcPct val="100000"/>
+              </a:lnSpc>
+              <a:spcBef>
+                <a:spcPts val="0"/>
+              </a:spcBef>
+              <a:spcAft>
+                <a:spcPts val="0"/>
+              </a:spcAft>
+              <a:buClrTx/>
+              <a:buSzTx/>
+              <a:buFontTx/>
+              <a:buChar char="-"/>
+              <a:tabLst/>
+              <a:defRPr/>
+            </a:pPr>
+            <a:r>
+              <a:rPr lang="en-US" sz="1200" b="0" i="0" kern="1200" dirty="0">
+                <a:solidFill>
+                  <a:schemeClr val="tx1"/>
+                </a:solidFill>
+                <a:effectLst/>
+                <a:latin typeface="+mn-lt"/>
+                <a:ea typeface="+mn-ea"/>
+                <a:cs typeface="+mn-cs"/>
+              </a:rPr>
+              <a:t>LSTM (long short term memory) and YOLO (you only look once) that can be used for multi-label classification problem</a:t>
+            </a:r>
+            <a:endParaRPr lang="en-US" dirty="0"/>
           </a:p>
           <a:p>
             <a:pPr marL="171450" indent="-171450">
@@ -688,25 +852,6 @@
               </a:rPr>
               <a:t>Adding object localization. In this project, we completed object detection (image classification) which is to classify and detect all objects in a image. The next step is object localization which is locating where that object is and drawing a bounding box. This is what bring self driving cars to a reality. </a:t>
             </a:r>
-          </a:p>
-          <a:p>
-            <a:pPr marL="171450" indent="-171450">
-              <a:buFontTx/>
-              <a:buChar char="-"/>
-            </a:pPr>
-            <a:r>
-              <a:rPr lang="en-US" sz="1200" b="0" i="0" kern="1200" dirty="0">
-                <a:solidFill>
-                  <a:schemeClr val="tx1"/>
-                </a:solidFill>
-                <a:effectLst/>
-                <a:latin typeface="+mn-lt"/>
-                <a:ea typeface="+mn-ea"/>
-                <a:cs typeface="+mn-cs"/>
-              </a:rPr>
-              <a:t>LSTM (long short term memory) and YOLO (you only look once) that can be used for multi-label classification problems</a:t>
-            </a:r>
-            <a:endParaRPr lang="en-US" dirty="0"/>
           </a:p>
         </p:txBody>
       </p:sp>
@@ -828,21 +973,6 @@
               <a:buFontTx/>
               <a:buChar char="-"/>
             </a:pPr>
-            <a:endParaRPr lang="en-US" sz="1200" b="0" kern="1200" dirty="0">
-              <a:solidFill>
-                <a:schemeClr val="tx1"/>
-              </a:solidFill>
-              <a:effectLst/>
-              <a:latin typeface="+mn-lt"/>
-              <a:ea typeface="+mn-ea"/>
-              <a:cs typeface="+mn-cs"/>
-            </a:endParaRPr>
-          </a:p>
-          <a:p>
-            <a:pPr marL="171450" indent="-171450">
-              <a:buFontTx/>
-              <a:buChar char="-"/>
-            </a:pPr>
             <a:r>
               <a:rPr lang="en-US" sz="1200" b="0" kern="1200" dirty="0">
                 <a:solidFill>
@@ -861,21 +991,6 @@
               <a:buFontTx/>
               <a:buChar char="-"/>
             </a:pPr>
-            <a:endParaRPr lang="en-US" sz="1200" b="0" kern="1200" dirty="0">
-              <a:solidFill>
-                <a:schemeClr val="tx1"/>
-              </a:solidFill>
-              <a:effectLst/>
-              <a:latin typeface="+mn-lt"/>
-              <a:ea typeface="+mn-ea"/>
-              <a:cs typeface="+mn-cs"/>
-            </a:endParaRPr>
-          </a:p>
-          <a:p>
-            <a:pPr marL="171450" indent="-171450">
-              <a:buFontTx/>
-              <a:buChar char="-"/>
-            </a:pPr>
             <a:r>
               <a:rPr lang="en-US" sz="1200" b="0" kern="1200" dirty="0">
                 <a:solidFill>
@@ -886,7 +1001,7 @@
                 <a:ea typeface="+mn-ea"/>
                 <a:cs typeface="+mn-cs"/>
               </a:rPr>
-              <a:t>- we also had to scrub the labels file and extract the important labels each object was being classified as </a:t>
+              <a:t>- we also had to scrub the labels file and extract the important labels each object was being classified as and converted to one-hot-encoding </a:t>
             </a:r>
           </a:p>
           <a:p>
@@ -1502,7 +1617,40 @@
           <a:bodyPr/>
           <a:lstStyle/>
           <a:p>
+            <a:r>
+              <a:rPr lang="en-US" dirty="0"/>
+              <a:t>Pretrained – inceptionResNetV2</a:t>
+            </a:r>
+          </a:p>
+          <a:p>
             <a:endParaRPr lang="en-US" dirty="0"/>
+          </a:p>
+          <a:p>
+            <a:r>
+              <a:rPr lang="en-US" dirty="0"/>
+              <a:t>Incorrectly predicted…</a:t>
+            </a:r>
+          </a:p>
+          <a:p>
+            <a:r>
+              <a:rPr lang="en-US" dirty="0"/>
+              <a:t>Did not predict</a:t>
+            </a:r>
+          </a:p>
+          <a:p>
+            <a:endParaRPr lang="en-US" dirty="0"/>
+          </a:p>
+          <a:p>
+            <a:r>
+              <a:rPr lang="en-US" dirty="0"/>
+              <a:t>Interestingly…if we recall on our label occurrence graph, bus had a very low frequency of only appearing in less than 9k images </a:t>
+            </a:r>
+          </a:p>
+          <a:p>
+            <a:r>
+              <a:rPr lang="en-US" dirty="0"/>
+              <a:t>Looks like the pretrained model saw the sign and predicted both traffic light and traffic sign </a:t>
+            </a:r>
           </a:p>
         </p:txBody>
       </p:sp>
@@ -1523,7 +1671,7 @@
           <a:p>
             <a:fld id="{E394D4AD-BA5C-9940-972A-74CAFEC8F3F4}" type="slidenum">
               <a:rPr lang="en-US" smtClean="0"/>
-              <a:t>11</a:t>
+              <a:t>10</a:t>
             </a:fld>
             <a:endParaRPr lang="en-US"/>
           </a:p>
@@ -1532,7 +1680,7 @@
     </p:spTree>
     <p:extLst>
       <p:ext uri="{BB962C8B-B14F-4D97-AF65-F5344CB8AC3E}">
-        <p14:creationId xmlns:p14="http://schemas.microsoft.com/office/powerpoint/2010/main" val="4284207877"/>
+        <p14:creationId xmlns:p14="http://schemas.microsoft.com/office/powerpoint/2010/main" val="1396805577"/>
       </p:ext>
     </p:extLst>
   </p:cSld>
@@ -1588,35 +1736,17 @@
           <a:p>
             <a:r>
               <a:rPr lang="en-US" dirty="0"/>
-              <a:t>- Model is not 100 percent and missing labels</a:t>
-            </a:r>
-          </a:p>
-          <a:p>
-            <a:pPr marL="171450" indent="-171450">
-              <a:buFontTx/>
-              <a:buChar char="-"/>
-            </a:pPr>
+              <a:t>The models may be confusing traffic light with traffic sign or vice versa</a:t>
+            </a:r>
+          </a:p>
+          <a:p>
             <a:r>
               <a:rPr lang="en-US" dirty="0"/>
-              <a:t>Essentially be used as a second pair of eyes to highlight objects. And could be greatly beneficial in the dark and rush hour. This will help mitigate  car accidents </a:t>
-            </a:r>
-          </a:p>
-          <a:p>
-            <a:pPr marL="171450" indent="-171450">
-              <a:buFontTx/>
-              <a:buChar char="-"/>
-            </a:pPr>
+              <a:t>The models did not predict bus, truck, person, or motor. Which makes sense to a degree because in the training set, the images contained these items the least. </a:t>
+            </a:r>
+          </a:p>
+          <a:p>
             <a:endParaRPr lang="en-US" dirty="0"/>
-          </a:p>
-          <a:p>
-            <a:pPr marL="171450" indent="-171450">
-              <a:buFontTx/>
-              <a:buChar char="-"/>
-            </a:pPr>
-            <a:r>
-              <a:rPr lang="en-US" dirty="0"/>
-              <a:t>Diverse data set with no surprises </a:t>
-            </a:r>
           </a:p>
         </p:txBody>
       </p:sp>
@@ -1637,7 +1767,7 @@
           <a:p>
             <a:fld id="{E394D4AD-BA5C-9940-972A-74CAFEC8F3F4}" type="slidenum">
               <a:rPr lang="en-US" smtClean="0"/>
-              <a:t>12</a:t>
+              <a:t>11</a:t>
             </a:fld>
             <a:endParaRPr lang="en-US"/>
           </a:p>
@@ -1646,7 +1776,7 @@
     </p:spTree>
     <p:extLst>
       <p:ext uri="{BB962C8B-B14F-4D97-AF65-F5344CB8AC3E}">
-        <p14:creationId xmlns:p14="http://schemas.microsoft.com/office/powerpoint/2010/main" val="2540368914"/>
+        <p14:creationId xmlns:p14="http://schemas.microsoft.com/office/powerpoint/2010/main" val="4284207877"/>
       </p:ext>
     </p:extLst>
   </p:cSld>
@@ -14109,36 +14239,6 @@
           <p:nvPr/>
         </p:nvPicPr>
         <p:blipFill>
-          <a:blip r:embed="rId2"/>
-          <a:stretch>
-            <a:fillRect/>
-          </a:stretch>
-        </p:blipFill>
-        <p:spPr>
-          <a:xfrm>
-            <a:off x="128589" y="1131956"/>
-            <a:ext cx="4240726" cy="4172875"/>
-          </a:xfrm>
-          <a:prstGeom prst="rect">
-            <a:avLst/>
-          </a:prstGeom>
-        </p:spPr>
-      </p:pic>
-      <p:pic>
-        <p:nvPicPr>
-          <p:cNvPr id="13" name="Picture 12">
-            <a:extLst>
-              <a:ext uri="{FF2B5EF4-FFF2-40B4-BE49-F238E27FC236}">
-                <a16:creationId xmlns:a16="http://schemas.microsoft.com/office/drawing/2014/main" id="{70577392-5FBF-B345-A032-84F5E8A3BDE7}"/>
-              </a:ext>
-            </a:extLst>
-          </p:cNvPr>
-          <p:cNvPicPr>
-            <a:picLocks noChangeAspect="1"/>
-          </p:cNvPicPr>
-          <p:nvPr/>
-        </p:nvPicPr>
-        <p:blipFill>
           <a:blip r:embed="rId3"/>
           <a:stretch>
             <a:fillRect/>
@@ -14146,8 +14246,8 @@
         </p:blipFill>
         <p:spPr>
           <a:xfrm>
-            <a:off x="6826795" y="1607895"/>
-            <a:ext cx="2006600" cy="3028595"/>
+            <a:off x="279346" y="1011705"/>
+            <a:ext cx="3633218" cy="3633218"/>
           </a:xfrm>
           <a:prstGeom prst="rect">
             <a:avLst/>
@@ -14176,8 +14276,8 @@
         </p:blipFill>
         <p:spPr>
           <a:xfrm>
-            <a:off x="4487892" y="1629398"/>
-            <a:ext cx="2019300" cy="2985590"/>
+            <a:off x="4402482" y="1136483"/>
+            <a:ext cx="3074473" cy="3404787"/>
           </a:xfrm>
           <a:prstGeom prst="rect">
             <a:avLst/>
@@ -14206,8 +14306,8 @@
         </p:blipFill>
         <p:spPr>
           <a:xfrm>
-            <a:off x="9472602" y="1607818"/>
-            <a:ext cx="2006600" cy="3041450"/>
+            <a:off x="8257727" y="1166696"/>
+            <a:ext cx="3115124" cy="3492715"/>
           </a:xfrm>
           <a:prstGeom prst="rect">
             <a:avLst/>
@@ -14228,7 +14328,7 @@
         </p:nvSpPr>
         <p:spPr>
           <a:xfrm>
-            <a:off x="4369315" y="1021278"/>
+            <a:off x="4369315" y="788003"/>
             <a:ext cx="7387256" cy="400110"/>
           </a:xfrm>
           <a:prstGeom prst="rect">
@@ -14244,7 +14344,7 @@
           <a:p>
             <a:r>
               <a:rPr lang="en-US" sz="2000" b="1" dirty="0"/>
-              <a:t>	True Labels 			CNN Model			Pretrained Model </a:t>
+              <a:t>		CNN Model						Pretrained Model </a:t>
             </a:r>
           </a:p>
         </p:txBody>
@@ -14263,8 +14363,8 @@
         </p:nvSpPr>
         <p:spPr>
           <a:xfrm>
-            <a:off x="4773074" y="5304831"/>
-            <a:ext cx="6460177" cy="1200329"/>
+            <a:off x="2257425" y="4708105"/>
+            <a:ext cx="9701212" cy="2246769"/>
           </a:xfrm>
           <a:prstGeom prst="rect">
             <a:avLst/>
@@ -14282,12 +14382,29 @@
               <a:buChar char="Ø"/>
             </a:pPr>
             <a:r>
-              <a:rPr lang="en-US" sz="2400" b="1" dirty="0"/>
-              <a:t>Both CNN model and the Pretrained model predicted 12 of the 12 labels correct.</a:t>
-            </a:r>
-          </a:p>
-          <a:p>
-            <a:endParaRPr lang="en-US" sz="2400" b="1" dirty="0"/>
+              <a:rPr lang="en-US" sz="2000" b="1" dirty="0"/>
+              <a:t>The final model did not predict 'bus', 'truck', 'motor' or 'person'. 8 of 12 labels predicted correctly.</a:t>
+            </a:r>
+          </a:p>
+          <a:p>
+            <a:pPr marL="285750" indent="-285750">
+              <a:buFont typeface="Wingdings" pitchFamily="2" charset="2"/>
+              <a:buChar char="Ø"/>
+            </a:pPr>
+            <a:r>
+              <a:rPr lang="en-US" sz="2000" b="1" dirty="0"/>
+              <a:t>The inception model did not predict 'bus', 'truck', 'motor', 'traffic light' or 'person' leaving the model being correct on 7/12 labels.</a:t>
+            </a:r>
+          </a:p>
+          <a:p>
+            <a:pPr marL="285750" indent="-285750">
+              <a:buFont typeface="Wingdings" pitchFamily="2" charset="2"/>
+              <a:buChar char="Ø"/>
+            </a:pPr>
+            <a:r>
+              <a:rPr lang="en-US" sz="2000" b="1" dirty="0"/>
+              <a:t>Both models did not predict the same labels except 'traffic light'. This could be because those same labels are on the lower side of occurrences in the training set. The pretrained model could be confusing 'traffic light' and 'traffic sign'.</a:t>
+            </a:r>
           </a:p>
         </p:txBody>
       </p:sp>
@@ -14305,7 +14422,7 @@
         </p:nvSpPr>
         <p:spPr>
           <a:xfrm>
-            <a:off x="1805049" y="154379"/>
+            <a:off x="1805049" y="97948"/>
             <a:ext cx="8882743" cy="923330"/>
           </a:xfrm>
           <a:prstGeom prst="rect">
@@ -14350,7 +14467,7 @@
     </p:spTree>
     <p:extLst>
       <p:ext uri="{BB962C8B-B14F-4D97-AF65-F5344CB8AC3E}">
-        <p14:creationId xmlns:p14="http://schemas.microsoft.com/office/powerpoint/2010/main" val="2417879963"/>
+        <p14:creationId xmlns:p14="http://schemas.microsoft.com/office/powerpoint/2010/main" val="1178445717"/>
       </p:ext>
     </p:extLst>
   </p:cSld>
@@ -14429,7 +14546,7 @@
         <p:spPr>
           <a:xfrm>
             <a:off x="1971304" y="1401288"/>
-            <a:ext cx="8455231" cy="5016758"/>
+            <a:ext cx="8455231" cy="6124754"/>
           </a:xfrm>
           <a:prstGeom prst="rect">
             <a:avLst/>
@@ -14448,14 +14565,14 @@
             </a:pPr>
             <a:r>
               <a:rPr lang="en-US" sz="3600" dirty="0"/>
-              <a:t>CNN Model: 89% accuracy </a:t>
+              <a:t> CNN Model: 89% accuracy </a:t>
             </a:r>
           </a:p>
           <a:p>
             <a:pPr lvl="1"/>
             <a:r>
               <a:rPr lang="en-US" sz="3600" dirty="0"/>
-              <a:t>Pretrained Model: 87% accuracy </a:t>
+              <a:t>Pretrained Model: 86% accuracy </a:t>
             </a:r>
           </a:p>
           <a:p>
@@ -14471,7 +14588,7 @@
             </a:pPr>
             <a:r>
               <a:rPr lang="en-US" sz="3600" dirty="0"/>
-              <a:t>Pretrained model incorrectly predicted a ‘traffic light’ in the image </a:t>
+              <a:t> The CNN model incorrectly predicted a ‘traffic light’ and the pretrained model did not predict a ‘traffic light’. </a:t>
             </a:r>
           </a:p>
           <a:p>
@@ -14484,8 +14601,12 @@
             </a:pPr>
             <a:r>
               <a:rPr lang="en-US" sz="3600" dirty="0"/>
-              <a:t>Both models failed to predict a ‘bus’ in the image </a:t>
-            </a:r>
+              <a:t> Both models failed to predict a ‘bus’, ’truck’, ‘person’ or ‘motor’ in a image </a:t>
+            </a:r>
+            <a:br>
+              <a:rPr lang="en-US" sz="3600" dirty="0"/>
+            </a:br>
+            <a:endParaRPr lang="en-US" sz="3600" dirty="0"/>
           </a:p>
           <a:p>
             <a:pPr marL="457200" indent="-457200">
@@ -14596,7 +14717,7 @@
             </a:pPr>
             <a:r>
               <a:rPr lang="en-US" sz="3600" dirty="0"/>
-              <a:t>Car companies can use the CNN image classification model as a driver assistant</a:t>
+              <a:t> Car companies can use the CNN image classification model as a driver assistant</a:t>
             </a:r>
           </a:p>
           <a:p>
@@ -14612,7 +14733,7 @@
             </a:pPr>
             <a:r>
               <a:rPr lang="en-US" sz="3600" dirty="0"/>
-              <a:t>Starting point to create a self driving electric vehicle </a:t>
+              <a:t> Starting point to create a self driving electric vehicle </a:t>
             </a:r>
           </a:p>
           <a:p>
@@ -14625,7 +14746,7 @@
             </a:pPr>
             <a:r>
               <a:rPr lang="en-US" sz="3600" dirty="0"/>
-              <a:t>Building your own? CNN and a diverse dataset </a:t>
+              <a:t> Building your own? Use a CNN and a diverse dataset </a:t>
             </a:r>
           </a:p>
           <a:p>
@@ -14774,8 +14895,8 @@
         </p:nvSpPr>
         <p:spPr>
           <a:xfrm>
-            <a:off x="6679627" y="1021279"/>
-            <a:ext cx="4975761" cy="5509200"/>
+            <a:off x="6879652" y="1749941"/>
+            <a:ext cx="4975761" cy="4278094"/>
           </a:xfrm>
           <a:prstGeom prst="rect">
             <a:avLst/>
@@ -14790,7 +14911,7 @@
           <a:p>
             <a:pPr marL="285750" indent="-285750">
               <a:lnSpc>
-                <a:spcPct val="250000"/>
+                <a:spcPct val="150000"/>
               </a:lnSpc>
               <a:buFont typeface="Wingdings" pitchFamily="2" charset="2"/>
               <a:buChar char="Ø"/>
@@ -14803,7 +14924,7 @@
           <a:p>
             <a:pPr marL="285750" indent="-285750">
               <a:lnSpc>
-                <a:spcPct val="250000"/>
+                <a:spcPct val="150000"/>
               </a:lnSpc>
               <a:buFont typeface="Wingdings" pitchFamily="2" charset="2"/>
               <a:buChar char="Ø"/>
@@ -14815,34 +14936,46 @@
           </a:p>
           <a:p>
             <a:pPr marL="285750" indent="-285750">
+              <a:buFont typeface="Wingdings" pitchFamily="2" charset="2"/>
+              <a:buChar char="Ø"/>
+            </a:pPr>
+            <a:r>
+              <a:rPr lang="en-US" sz="3200" dirty="0"/>
+              <a:t> Explore Other Frameworks</a:t>
+            </a:r>
+          </a:p>
+          <a:p>
+            <a:pPr marL="1200150" lvl="2" indent="-285750">
+              <a:buFont typeface="Wingdings" pitchFamily="2" charset="2"/>
+              <a:buChar char="Ø"/>
+            </a:pPr>
+            <a:r>
+              <a:rPr lang="en-US" sz="3200" dirty="0"/>
+              <a:t>LSTM </a:t>
+            </a:r>
+          </a:p>
+          <a:p>
+            <a:pPr marL="1200150" lvl="2" indent="-285750">
+              <a:buFont typeface="Wingdings" pitchFamily="2" charset="2"/>
+              <a:buChar char="Ø"/>
+            </a:pPr>
+            <a:r>
+              <a:rPr lang="en-US" sz="3200" dirty="0"/>
+              <a:t>YOLO </a:t>
+            </a:r>
+          </a:p>
+          <a:p>
+            <a:pPr marL="285750" indent="-285750">
               <a:lnSpc>
-                <a:spcPct val="250000"/>
+                <a:spcPct val="150000"/>
               </a:lnSpc>
               <a:buFont typeface="Wingdings" pitchFamily="2" charset="2"/>
               <a:buChar char="Ø"/>
             </a:pPr>
             <a:r>
               <a:rPr lang="en-US" sz="3200" dirty="0"/>
-              <a:t>Explore Other Frameworks</a:t>
-            </a:r>
-          </a:p>
-          <a:p>
-            <a:pPr marL="285750" indent="-285750">
-              <a:lnSpc>
-                <a:spcPct val="250000"/>
-              </a:lnSpc>
-              <a:buFont typeface="Wingdings" pitchFamily="2" charset="2"/>
-              <a:buChar char="Ø"/>
-            </a:pPr>
-            <a:r>
-              <a:rPr lang="en-US" sz="3200" dirty="0"/>
-              <a:t> </a:t>
-            </a:r>
-            <a:r>
-              <a:rPr lang="en-US" sz="3200"/>
-              <a:t>Object Localization </a:t>
-            </a:r>
-            <a:endParaRPr lang="en-US" sz="3200" dirty="0"/>
+              <a:t> Object Localization </a:t>
+            </a:r>
           </a:p>
           <a:p>
             <a:pPr marL="285750" indent="-285750">
@@ -15088,7 +15221,7 @@
             <a:pPr algn="ctr"/>
             <a:r>
               <a:rPr lang="en-US" sz="5400" b="1" dirty="0"/>
-              <a:t>Business value </a:t>
+              <a:t>Project motivation</a:t>
             </a:r>
           </a:p>
         </p:txBody>
@@ -15107,8 +15240,8 @@
         </p:nvSpPr>
         <p:spPr>
           <a:xfrm>
-            <a:off x="5023262" y="1068779"/>
-            <a:ext cx="7168738" cy="6601807"/>
+            <a:off x="5023262" y="1240229"/>
+            <a:ext cx="7168738" cy="7001917"/>
           </a:xfrm>
           <a:prstGeom prst="rect">
             <a:avLst/>
@@ -15130,7 +15263,37 @@
             </a:pPr>
             <a:r>
               <a:rPr lang="en-US" sz="2600" dirty="0"/>
-              <a:t> 6 million car accidents  per year</a:t>
+              <a:t> Car Accident stats per year:</a:t>
+            </a:r>
+          </a:p>
+          <a:p>
+            <a:pPr marL="914400" lvl="1" indent="-457200">
+              <a:buFont typeface="Courier New" panose="02070309020205020404" pitchFamily="49" charset="0"/>
+              <a:buChar char="o"/>
+            </a:pPr>
+            <a:r>
+              <a:rPr lang="en-US" sz="2600" dirty="0"/>
+              <a:t>6 million  car accidents </a:t>
+            </a:r>
+          </a:p>
+          <a:p>
+            <a:pPr marL="914400" lvl="1" indent="-457200">
+              <a:buFont typeface="Courier New" panose="02070309020205020404" pitchFamily="49" charset="0"/>
+              <a:buChar char="o"/>
+            </a:pPr>
+            <a:r>
+              <a:rPr lang="en-US" sz="2600" dirty="0"/>
+              <a:t>3 million people suffer injuries </a:t>
+            </a:r>
+          </a:p>
+          <a:p>
+            <a:pPr marL="914400" lvl="1" indent="-457200">
+              <a:buFont typeface="Courier New" panose="02070309020205020404" pitchFamily="49" charset="0"/>
+              <a:buChar char="o"/>
+            </a:pPr>
+            <a:r>
+              <a:rPr lang="en-US" sz="2600" dirty="0"/>
+              <a:t>37,000 deaths </a:t>
             </a:r>
           </a:p>
           <a:p>
@@ -15143,7 +15306,30 @@
             </a:pPr>
             <a:r>
               <a:rPr lang="en-US" sz="2600" dirty="0"/>
-              <a:t> 3 million people are injured</a:t>
+              <a:t> 96% due to human error</a:t>
+            </a:r>
+          </a:p>
+          <a:p>
+            <a:pPr marL="285750" indent="-285750">
+              <a:buFont typeface="Wingdings" pitchFamily="2" charset="2"/>
+              <a:buChar char="v"/>
+            </a:pPr>
+            <a:r>
+              <a:rPr lang="en-US" sz="2600" dirty="0"/>
+              <a:t>Self driving vehicles will allow for more accurate and safer transportation. This will mitigate accidents, injuries, and deaths.</a:t>
+            </a:r>
+          </a:p>
+          <a:p>
+            <a:endParaRPr lang="en-US" sz="2600" dirty="0"/>
+          </a:p>
+          <a:p>
+            <a:pPr marL="285750" indent="-285750">
+              <a:buFont typeface="Wingdings" pitchFamily="2" charset="2"/>
+              <a:buChar char="v"/>
+            </a:pPr>
+            <a:r>
+              <a:rPr lang="en-US" sz="2600" dirty="0"/>
+              <a:t>The goal is to build a multi-label image classification model to help identify objects which then can be used in self driving vehicles. </a:t>
             </a:r>
           </a:p>
           <a:p>
@@ -15154,62 +15340,7 @@
               <a:buFont typeface="Wingdings" pitchFamily="2" charset="2"/>
               <a:buChar char="v"/>
             </a:pPr>
-            <a:r>
-              <a:rPr lang="en-US" sz="2600" dirty="0"/>
-              <a:t> 37,000 deaths</a:t>
-            </a:r>
-          </a:p>
-          <a:p>
-            <a:pPr marL="285750" indent="-285750">
-              <a:lnSpc>
-                <a:spcPct val="150000"/>
-              </a:lnSpc>
-              <a:buFont typeface="Wingdings" pitchFamily="2" charset="2"/>
-              <a:buChar char="v"/>
-            </a:pPr>
-            <a:r>
-              <a:rPr lang="en-US" sz="2600" dirty="0"/>
-              <a:t> 96% due to human error</a:t>
-            </a:r>
-          </a:p>
-          <a:p>
-            <a:pPr marL="285750" indent="-285750">
-              <a:lnSpc>
-                <a:spcPct val="150000"/>
-              </a:lnSpc>
-              <a:buFont typeface="Wingdings" pitchFamily="2" charset="2"/>
-              <a:buChar char="v"/>
-            </a:pPr>
-            <a:r>
-              <a:rPr lang="en-US" sz="2600" dirty="0"/>
-              <a:t> Image classification system to help identify objects</a:t>
-            </a:r>
-          </a:p>
-          <a:p>
-            <a:pPr marL="285750" indent="-285750">
-              <a:lnSpc>
-                <a:spcPct val="150000"/>
-              </a:lnSpc>
-              <a:buFont typeface="Wingdings" pitchFamily="2" charset="2"/>
-              <a:buChar char="v"/>
-            </a:pPr>
-            <a:r>
-              <a:rPr lang="en-US" sz="2600" dirty="0"/>
-              <a:t> Self driving cars will allow for accurate and safer  transportation</a:t>
-            </a:r>
-          </a:p>
-          <a:p>
-            <a:pPr marL="285750" indent="-285750">
-              <a:lnSpc>
-                <a:spcPct val="150000"/>
-              </a:lnSpc>
-              <a:buFont typeface="Wingdings" pitchFamily="2" charset="2"/>
-              <a:buChar char="v"/>
-            </a:pPr>
-            <a:r>
-              <a:rPr lang="en-US" sz="2600" dirty="0"/>
-              <a:t> Reduce accidents, deaths, traffic,  and financial hardship</a:t>
-            </a:r>
+            <a:endParaRPr lang="en-US" sz="2600" dirty="0"/>
           </a:p>
           <a:p>
             <a:pPr marL="285750" indent="-285750">
@@ -15445,7 +15576,7 @@
         <p:spPr>
           <a:xfrm>
             <a:off x="1583374" y="926275"/>
-            <a:ext cx="8740239" cy="3108543"/>
+            <a:ext cx="10060939" cy="2616101"/>
           </a:xfrm>
           <a:prstGeom prst="rect">
             <a:avLst/>
@@ -15464,11 +15595,8 @@
             </a:pPr>
             <a:r>
               <a:rPr lang="en-US" sz="3200" dirty="0"/>
-              <a:t>The data set was obtained by</a:t>
-            </a:r>
-          </a:p>
-          <a:p>
-            <a:endParaRPr lang="en-US" sz="3200" dirty="0"/>
+              <a:t> The data set was obtained by Berkeley Deep Drive</a:t>
+            </a:r>
           </a:p>
           <a:p>
             <a:pPr marL="285750" indent="-285750">
@@ -15477,11 +15605,8 @@
             </a:pPr>
             <a:r>
               <a:rPr lang="en-US" sz="3200" dirty="0"/>
-              <a:t>Contained over 100,000 images</a:t>
-            </a:r>
-          </a:p>
-          <a:p>
-            <a:endParaRPr lang="en-US" sz="3200" dirty="0"/>
+              <a:t> Contained over 100,000 images</a:t>
+            </a:r>
           </a:p>
           <a:p>
             <a:pPr marL="285750" indent="-285750">
@@ -15490,7 +15615,17 @@
             </a:pPr>
             <a:r>
               <a:rPr lang="en-US" sz="3200" dirty="0"/>
-              <a:t>Resize images and extract important labels </a:t>
+              <a:t> Resize images to 86x86 and converted to array</a:t>
+            </a:r>
+          </a:p>
+          <a:p>
+            <a:pPr marL="285750" indent="-285750">
+              <a:buFont typeface="Wingdings" pitchFamily="2" charset="2"/>
+              <a:buChar char="v"/>
+            </a:pPr>
+            <a:r>
+              <a:rPr lang="en-US" sz="3200" dirty="0"/>
+              <a:t> Extract important labels and convert to one-hot-encoding</a:t>
             </a:r>
           </a:p>
           <a:p>
@@ -15505,36 +15640,6 @@
           </a:p>
         </p:txBody>
       </p:sp>
-      <p:pic>
-        <p:nvPicPr>
-          <p:cNvPr id="6" name="Picture 5">
-            <a:extLst>
-              <a:ext uri="{FF2B5EF4-FFF2-40B4-BE49-F238E27FC236}">
-                <a16:creationId xmlns:a16="http://schemas.microsoft.com/office/drawing/2014/main" id="{07E37F0A-AB70-8743-999C-FD798014F142}"/>
-              </a:ext>
-            </a:extLst>
-          </p:cNvPr>
-          <p:cNvPicPr>
-            <a:picLocks noChangeAspect="1"/>
-          </p:cNvPicPr>
-          <p:nvPr/>
-        </p:nvPicPr>
-        <p:blipFill>
-          <a:blip r:embed="rId3"/>
-          <a:stretch>
-            <a:fillRect/>
-          </a:stretch>
-        </p:blipFill>
-        <p:spPr>
-          <a:xfrm>
-            <a:off x="7178145" y="926275"/>
-            <a:ext cx="3782904" cy="1059213"/>
-          </a:xfrm>
-          <a:prstGeom prst="rect">
-            <a:avLst/>
-          </a:prstGeom>
-        </p:spPr>
-      </p:pic>
       <p:pic>
         <p:nvPicPr>
           <p:cNvPr id="8" name="Picture 7">
@@ -15550,7 +15655,7 @@
           <p:nvPr/>
         </p:nvPicPr>
         <p:blipFill>
-          <a:blip r:embed="rId4"/>
+          <a:blip r:embed="rId3"/>
           <a:stretch>
             <a:fillRect/>
           </a:stretch>
@@ -15580,7 +15685,7 @@
           <p:nvPr/>
         </p:nvPicPr>
         <p:blipFill>
-          <a:blip r:embed="rId5"/>
+          <a:blip r:embed="rId4"/>
           <a:stretch>
             <a:fillRect/>
           </a:stretch>
@@ -15610,7 +15715,7 @@
           <p:nvPr/>
         </p:nvPicPr>
         <p:blipFill>
-          <a:blip r:embed="rId6"/>
+          <a:blip r:embed="rId5"/>
           <a:stretch>
             <a:fillRect/>
           </a:stretch>
@@ -15977,7 +16082,7 @@
             </a:pPr>
             <a:r>
               <a:rPr lang="en-US" sz="2800" dirty="0"/>
-              <a:t>Image is scanned by a deep neural network</a:t>
+              <a:t> Image is scanned by a deep neural network</a:t>
             </a:r>
           </a:p>
           <a:p>
@@ -15993,7 +16098,7 @@
             </a:pPr>
             <a:r>
               <a:rPr lang="en-US" sz="2800" dirty="0"/>
-              <a:t>Networks are made of input and an output layer, as well as multiple hidden layers</a:t>
+              <a:t> Networks are made of input and an output layer, as well as multiple hidden layers</a:t>
             </a:r>
           </a:p>
           <a:p>
@@ -16006,7 +16111,7 @@
             </a:pPr>
             <a:r>
               <a:rPr lang="en-US" sz="2800" dirty="0"/>
-              <a:t>Convolutional (Conv2d) layers analyze the picture and push it through to the next layer</a:t>
+              <a:t> Convolutional (Conv2d) layers analyze the picture and push it through to the next layer</a:t>
             </a:r>
           </a:p>
           <a:p>
@@ -16022,7 +16127,7 @@
             </a:pPr>
             <a:r>
               <a:rPr lang="en-US" sz="2800" dirty="0"/>
-              <a:t>Each layer helps determine the ”weight” of a feature in the picture.  </a:t>
+              <a:t> Each layer helps determine the ”weight” of a feature in the picture.  </a:t>
             </a:r>
           </a:p>
         </p:txBody>
@@ -16108,7 +16213,7 @@
         <p:spPr>
           <a:xfrm>
             <a:off x="6626431" y="819396"/>
-            <a:ext cx="5272644" cy="3170099"/>
+            <a:ext cx="5272644" cy="3323987"/>
           </a:xfrm>
           <a:prstGeom prst="rect">
             <a:avLst/>
@@ -16133,12 +16238,6 @@
               <a:rPr lang="en-US" sz="2400" b="1" u="sng" dirty="0"/>
               <a:t>FINAL CNN MODEL </a:t>
             </a:r>
-          </a:p>
-          <a:p>
-            <a:pPr marL="285750" indent="-285750">
-              <a:buFont typeface="Wingdings" pitchFamily="2" charset="2"/>
-              <a:buChar char="Ø"/>
-            </a:pPr>
             <a:endParaRPr lang="en-US" sz="2000" dirty="0"/>
           </a:p>
           <a:p>
@@ -16151,7 +16250,18 @@
             </a:pPr>
             <a:r>
               <a:rPr lang="en-US" sz="2000" dirty="0"/>
-              <a:t>Hamming Loss Score: 11%</a:t>
+              <a:t> Hamming Loss Score: 11%</a:t>
+            </a:r>
+          </a:p>
+          <a:p>
+            <a:pPr>
+              <a:lnSpc>
+                <a:spcPct val="150000"/>
+              </a:lnSpc>
+            </a:pPr>
+            <a:r>
+              <a:rPr lang="en-US" sz="2000" dirty="0"/>
+              <a:t> (predicted wrong labels/total labels)</a:t>
             </a:r>
           </a:p>
           <a:p>
@@ -16164,7 +16274,7 @@
             </a:pPr>
             <a:r>
               <a:rPr lang="en-US" sz="2000" dirty="0"/>
-              <a:t>Accuracy: 89%</a:t>
+              <a:t> Accuracy: 89% (1 – Hamming Loss Score)</a:t>
             </a:r>
           </a:p>
           <a:p>
@@ -16177,7 +16287,7 @@
             </a:pPr>
             <a:r>
               <a:rPr lang="en-US" sz="2000" dirty="0"/>
-              <a:t>Followed a Conv2D-Conv2D-Pool pattern</a:t>
+              <a:t> Followed a Conv2D-Conv2D-Pool pattern</a:t>
             </a:r>
           </a:p>
           <a:p>
@@ -16190,7 +16300,7 @@
             </a:pPr>
             <a:r>
               <a:rPr lang="en-US" sz="2000" dirty="0"/>
-              <a:t>Faster training time than pretrained model </a:t>
+              <a:t> Faster training time than pretrained model </a:t>
             </a:r>
           </a:p>
           <a:p>
@@ -16251,7 +16361,7 @@
         <p:spPr>
           <a:xfrm>
             <a:off x="6697683" y="3776353"/>
-            <a:ext cx="5130140" cy="2677656"/>
+            <a:ext cx="5130140" cy="2862322"/>
           </a:xfrm>
           <a:prstGeom prst="rect">
             <a:avLst/>
@@ -16276,12 +16386,6 @@
               <a:rPr lang="en-US" sz="2400" b="1" u="sng" dirty="0"/>
               <a:t>PRETRAINED MODEL </a:t>
             </a:r>
-          </a:p>
-          <a:p>
-            <a:pPr marL="285750" indent="-285750">
-              <a:buFont typeface="Wingdings" pitchFamily="2" charset="2"/>
-              <a:buChar char="Ø"/>
-            </a:pPr>
             <a:endParaRPr lang="en-US" dirty="0"/>
           </a:p>
           <a:p>
@@ -16294,7 +16398,18 @@
             </a:pPr>
             <a:r>
               <a:rPr lang="en-US" sz="2000" dirty="0"/>
-              <a:t>Hamming Loss Score: 13%</a:t>
+              <a:t> Hamming Loss Score: 13%</a:t>
+            </a:r>
+          </a:p>
+          <a:p>
+            <a:pPr>
+              <a:lnSpc>
+                <a:spcPct val="150000"/>
+              </a:lnSpc>
+            </a:pPr>
+            <a:r>
+              <a:rPr lang="en-US" sz="2000" dirty="0"/>
+              <a:t>(predicted wrong labels/total labels)</a:t>
             </a:r>
           </a:p>
           <a:p>
@@ -16307,7 +16422,7 @@
             </a:pPr>
             <a:r>
               <a:rPr lang="en-US" sz="2000" dirty="0"/>
-              <a:t>Accuracy: 87%</a:t>
+              <a:t> Accuracy: 87% (1 – Hamming Loss Score)</a:t>
             </a:r>
           </a:p>
           <a:p>
@@ -16320,7 +16435,7 @@
             </a:pPr>
             <a:r>
               <a:rPr lang="en-US" sz="2000" dirty="0"/>
-              <a:t>InceptionResNetV2 model </a:t>
+              <a:t> InceptionResNetV2 model </a:t>
             </a:r>
           </a:p>
           <a:p>
@@ -16380,38 +16495,8 @@
         </p:blipFill>
         <p:spPr>
           <a:xfrm>
-            <a:off x="154791" y="1330037"/>
-            <a:ext cx="4042492" cy="3633218"/>
-          </a:xfrm>
-          <a:prstGeom prst="rect">
-            <a:avLst/>
-          </a:prstGeom>
-        </p:spPr>
-      </p:pic>
-      <p:pic>
-        <p:nvPicPr>
-          <p:cNvPr id="13" name="Picture 12">
-            <a:extLst>
-              <a:ext uri="{FF2B5EF4-FFF2-40B4-BE49-F238E27FC236}">
-                <a16:creationId xmlns:a16="http://schemas.microsoft.com/office/drawing/2014/main" id="{70577392-5FBF-B345-A032-84F5E8A3BDE7}"/>
-              </a:ext>
-            </a:extLst>
-          </p:cNvPr>
-          <p:cNvPicPr>
-            <a:picLocks noChangeAspect="1"/>
-          </p:cNvPicPr>
-          <p:nvPr/>
-        </p:nvPicPr>
-        <p:blipFill>
-          <a:blip r:embed="rId4"/>
-          <a:stretch>
-            <a:fillRect/>
-          </a:stretch>
-        </p:blipFill>
-        <p:spPr>
-          <a:xfrm>
-            <a:off x="6826795" y="1591843"/>
-            <a:ext cx="2006600" cy="3060700"/>
+            <a:off x="359428" y="1330037"/>
+            <a:ext cx="3633218" cy="3633218"/>
           </a:xfrm>
           <a:prstGeom prst="rect">
             <a:avLst/>
@@ -16433,15 +16518,15 @@
           <p:nvPr/>
         </p:nvPicPr>
         <p:blipFill>
-          <a:blip r:embed="rId5"/>
+          <a:blip r:embed="rId4"/>
           <a:stretch>
             <a:fillRect/>
           </a:stretch>
         </p:blipFill>
         <p:spPr>
           <a:xfrm>
-            <a:off x="4487892" y="1591843"/>
-            <a:ext cx="2019300" cy="3060700"/>
+            <a:off x="4235510" y="1365210"/>
+            <a:ext cx="3198783" cy="3562872"/>
           </a:xfrm>
           <a:prstGeom prst="rect">
             <a:avLst/>
@@ -16463,15 +16548,15 @@
           <p:nvPr/>
         </p:nvPicPr>
         <p:blipFill>
-          <a:blip r:embed="rId6"/>
+          <a:blip r:embed="rId5"/>
           <a:stretch>
             <a:fillRect/>
           </a:stretch>
         </p:blipFill>
         <p:spPr>
           <a:xfrm>
-            <a:off x="9472602" y="1591843"/>
-            <a:ext cx="2006600" cy="3073400"/>
+            <a:off x="8062943" y="1356039"/>
+            <a:ext cx="3328987" cy="3637393"/>
           </a:xfrm>
           <a:prstGeom prst="rect">
             <a:avLst/>
@@ -16508,7 +16593,7 @@
           <a:p>
             <a:r>
               <a:rPr lang="en-US" sz="2000" b="1" dirty="0"/>
-              <a:t>	True Labels 			CNN Model			Pretrained Model </a:t>
+              <a:t>		CNN Model						Pretrained Model </a:t>
             </a:r>
           </a:p>
         </p:txBody>
@@ -16527,8 +16612,8 @@
         </p:nvSpPr>
         <p:spPr>
           <a:xfrm>
-            <a:off x="4655127" y="4963255"/>
-            <a:ext cx="6460177" cy="1631216"/>
+            <a:off x="3992647" y="4963255"/>
+            <a:ext cx="7763924" cy="1323439"/>
           </a:xfrm>
           <a:prstGeom prst="rect">
             <a:avLst/>
@@ -16547,7 +16632,7 @@
             </a:pPr>
             <a:r>
               <a:rPr lang="en-US" sz="2000" b="1" dirty="0"/>
-              <a:t>CNN model predicted 11 of the 12 labels correct. Did not predict ‘bus’.</a:t>
+              <a:t>The final model did not predict 'truck' and incorrectly predicted 'traffic light'. The model got 10/12 labels correct.</a:t>
             </a:r>
           </a:p>
           <a:p>
@@ -16557,7 +16642,7 @@
             </a:pPr>
             <a:r>
               <a:rPr lang="en-US" sz="2000" b="1" dirty="0"/>
-              <a:t>Pretrained model predicted 10/12 labels correct. Incorrectly predicted ‘traffic light’ and did not predict ‘bus’. </a:t>
+              <a:t>The inception model did not predict 'truck'. The model got 11/12 labels correct.</a:t>
             </a:r>
           </a:p>
         </p:txBody>
